--- a/presentation/final_pres.pptx
+++ b/presentation/final_pres.pptx
@@ -10984,20 +10984,12 @@
               </a:buBlip>
             </a:pPr>
             <a:r>
-              <a:rPr lang="it-IT" sz="2400" dirty="0" err="1">
-                <a:solidFill>
-                  <a:schemeClr val="bg1"/>
-                </a:solidFill>
-              </a:rPr>
-              <a:t>Bad</a:t>
-            </a:r>
-            <a:r>
               <a:rPr lang="it-IT" sz="2400" dirty="0">
                 <a:solidFill>
                   <a:schemeClr val="bg1"/>
                 </a:solidFill>
               </a:rPr>
-              <a:t> </a:t>
+              <a:t>Low </a:t>
             </a:r>
             <a:r>
               <a:rPr lang="it-IT" sz="2400" dirty="0" err="1">
@@ -11047,7 +11039,7 @@
                   <a:schemeClr val="bg1"/>
                 </a:solidFill>
               </a:rPr>
-              <a:t>Good </a:t>
+              <a:t>High </a:t>
             </a:r>
             <a:r>
               <a:rPr lang="it-IT" sz="2400" u="sng" dirty="0" err="1">
